--- a/Apresentacao HardwareHamlet.pptx
+++ b/Apresentacao HardwareHamlet.pptx
@@ -11,6 +11,7 @@
     <p:sldId id="259" r:id="rId5"/>
     <p:sldId id="260" r:id="rId6"/>
     <p:sldId id="261" r:id="rId7"/>
+    <p:sldId id="262" r:id="rId8"/>
   </p:sldIdLst>
   <p:sldSz cx="12192000" cy="6858000"/>
   <p:notesSz cx="6858000" cy="9144000"/>
@@ -109,6 +110,11 @@
       </a:defRPr>
     </a:lvl9pPr>
   </p:defaultTextStyle>
+  <p:extLst>
+    <p:ext uri="{EFAFB233-063F-42B5-8137-9DF3F51BA10A}">
+      <p15:sldGuideLst xmlns:p15="http://schemas.microsoft.com/office/powerpoint/2012/main"/>
+    </p:ext>
+  </p:extLst>
 </p:presentation>
 </file>
 
@@ -207,7 +213,7 @@
           <a:effectLst/>
           <a:extLst>
             <a:ext uri="{91240B29-F687-4f45-9708-019B960494DF}">
-              <a14:hiddenLine xmlns:a14="http://schemas.microsoft.com/office/drawing/2010/main" xmlns="" w="9525">
+              <a14:hiddenLine xmlns="" xmlns:a14="http://schemas.microsoft.com/office/drawing/2010/main" w="9525">
                 <a:solidFill>
                   <a:srgbClr val="000000"/>
                 </a:solidFill>
@@ -1737,7 +1743,7 @@
           <a:ln/>
           <a:extLst>
             <a:ext uri="{91240B29-F687-4f45-9708-019B960494DF}">
-              <a14:hiddenLine xmlns:a14="http://schemas.microsoft.com/office/drawing/2010/main" xmlns="" w="9525">
+              <a14:hiddenLine xmlns="" xmlns:a14="http://schemas.microsoft.com/office/drawing/2010/main" w="9525">
                 <a:solidFill>
                   <a:srgbClr val="000000"/>
                 </a:solidFill>
@@ -2014,7 +2020,7 @@
           <a:ln/>
           <a:extLst>
             <a:ext uri="{91240B29-F687-4f45-9708-019B960494DF}">
-              <a14:hiddenLine xmlns:a14="http://schemas.microsoft.com/office/drawing/2010/main" xmlns="" w="9525">
+              <a14:hiddenLine xmlns="" xmlns:a14="http://schemas.microsoft.com/office/drawing/2010/main" w="9525">
                 <a:solidFill>
                   <a:srgbClr val="000000"/>
                 </a:solidFill>
@@ -2299,7 +2305,7 @@
           <a:ln/>
           <a:extLst>
             <a:ext uri="{91240B29-F687-4f45-9708-019B960494DF}">
-              <a14:hiddenLine xmlns:a14="http://schemas.microsoft.com/office/drawing/2010/main" xmlns="" w="9525">
+              <a14:hiddenLine xmlns="" xmlns:a14="http://schemas.microsoft.com/office/drawing/2010/main" w="9525">
                 <a:solidFill>
                   <a:srgbClr val="000000"/>
                 </a:solidFill>
@@ -2929,7 +2935,7 @@
           <a:ln/>
           <a:extLst>
             <a:ext uri="{91240B29-F687-4f45-9708-019B960494DF}">
-              <a14:hiddenLine xmlns:a14="http://schemas.microsoft.com/office/drawing/2010/main" xmlns="" w="9525">
+              <a14:hiddenLine xmlns="" xmlns:a14="http://schemas.microsoft.com/office/drawing/2010/main" w="9525">
                 <a:solidFill>
                   <a:srgbClr val="000000"/>
                 </a:solidFill>
@@ -3270,7 +3276,7 @@
           <a:ln/>
           <a:extLst>
             <a:ext uri="{91240B29-F687-4f45-9708-019B960494DF}">
-              <a14:hiddenLine xmlns:a14="http://schemas.microsoft.com/office/drawing/2010/main" xmlns="" w="9525">
+              <a14:hiddenLine xmlns="" xmlns:a14="http://schemas.microsoft.com/office/drawing/2010/main" w="9525">
                 <a:solidFill>
                   <a:srgbClr val="000000"/>
                 </a:solidFill>
@@ -3749,7 +3755,7 @@
           <a:ln/>
           <a:extLst>
             <a:ext uri="{91240B29-F687-4f45-9708-019B960494DF}">
-              <a14:hiddenLine xmlns:a14="http://schemas.microsoft.com/office/drawing/2010/main" xmlns="" w="9525">
+              <a14:hiddenLine xmlns="" xmlns:a14="http://schemas.microsoft.com/office/drawing/2010/main" w="9525">
                 <a:solidFill>
                   <a:srgbClr val="000000"/>
                 </a:solidFill>
@@ -4182,7 +4188,7 @@
           <a:ln/>
           <a:extLst>
             <a:ext uri="{91240B29-F687-4f45-9708-019B960494DF}">
-              <a14:hiddenLine xmlns:a14="http://schemas.microsoft.com/office/drawing/2010/main" xmlns="" w="9525">
+              <a14:hiddenLine xmlns="" xmlns:a14="http://schemas.microsoft.com/office/drawing/2010/main" w="9525">
                 <a:solidFill>
                   <a:srgbClr val="000000"/>
                 </a:solidFill>
@@ -5965,7 +5971,10 @@
           <a:bodyPr/>
           <a:lstStyle/>
           <a:p>
-            <a:endParaRPr lang="pt-PT"/>
+            <a:r>
+              <a:rPr lang="pt-PT" dirty="0"/>
+              <a:t>Apresentação do website</a:t>
+            </a:r>
           </a:p>
         </p:txBody>
       </p:sp>
@@ -6048,7 +6057,10 @@
           <a:bodyPr/>
           <a:lstStyle/>
           <a:p>
-            <a:endParaRPr lang="pt-PT" dirty="0"/>
+            <a:r>
+              <a:rPr lang="pt-PT" dirty="0"/>
+              <a:t>Apresentação da aplicação Android</a:t>
+            </a:r>
           </a:p>
         </p:txBody>
       </p:sp>
@@ -6056,6 +6068,104 @@
     <p:extLst>
       <p:ext uri="{BB962C8B-B14F-4D97-AF65-F5344CB8AC3E}">
         <p14:creationId xmlns:p14="http://schemas.microsoft.com/office/powerpoint/2010/main" val="3309641667"/>
+      </p:ext>
+    </p:extLst>
+  </p:cSld>
+  <p:clrMapOvr>
+    <a:masterClrMapping/>
+  </p:clrMapOvr>
+</p:sld>
+</file>
+
+<file path=ppt/slides/slide7.xml><?xml version="1.0" encoding="utf-8"?>
+<p:sld xmlns:a="http://schemas.openxmlformats.org/drawingml/2006/main" xmlns:r="http://schemas.openxmlformats.org/officeDocument/2006/relationships" xmlns:p="http://schemas.openxmlformats.org/presentationml/2006/main">
+  <p:cSld>
+    <p:spTree>
+      <p:nvGrpSpPr>
+        <p:cNvPr id="1" name=""/>
+        <p:cNvGrpSpPr/>
+        <p:nvPr/>
+      </p:nvGrpSpPr>
+      <p:grpSpPr>
+        <a:xfrm>
+          <a:off x="0" y="0"/>
+          <a:ext cx="0" cy="0"/>
+          <a:chOff x="0" y="0"/>
+          <a:chExt cx="0" cy="0"/>
+        </a:xfrm>
+      </p:grpSpPr>
+      <p:sp>
+        <p:nvSpPr>
+          <p:cNvPr id="2" name="Título 1">
+            <a:extLst>
+              <a:ext uri="{FF2B5EF4-FFF2-40B4-BE49-F238E27FC236}">
+                <a16:creationId xmlns:a16="http://schemas.microsoft.com/office/drawing/2014/main" id="{8CFA07B2-A425-4627-872B-9B0E6C3883BD}"/>
+              </a:ext>
+            </a:extLst>
+          </p:cNvPr>
+          <p:cNvSpPr>
+            <a:spLocks noGrp="1"/>
+          </p:cNvSpPr>
+          <p:nvPr>
+            <p:ph type="title"/>
+          </p:nvPr>
+        </p:nvSpPr>
+        <p:spPr/>
+        <p:txBody>
+          <a:bodyPr/>
+          <a:lstStyle/>
+          <a:p>
+            <a:r>
+              <a:rPr lang="pt-PT" dirty="0"/>
+              <a:t>Conclusão</a:t>
+            </a:r>
+          </a:p>
+        </p:txBody>
+      </p:sp>
+      <p:sp>
+        <p:nvSpPr>
+          <p:cNvPr id="3" name="Marcador de Posição de Conteúdo 2">
+            <a:extLst>
+              <a:ext uri="{FF2B5EF4-FFF2-40B4-BE49-F238E27FC236}">
+                <a16:creationId xmlns:a16="http://schemas.microsoft.com/office/drawing/2014/main" id="{9A9E6C44-CFD8-4424-BEDF-CE71F04BDB7A}"/>
+              </a:ext>
+            </a:extLst>
+          </p:cNvPr>
+          <p:cNvSpPr>
+            <a:spLocks noGrp="1"/>
+          </p:cNvSpPr>
+          <p:nvPr>
+            <p:ph idx="1"/>
+          </p:nvPr>
+        </p:nvSpPr>
+        <p:spPr/>
+        <p:txBody>
+          <a:bodyPr/>
+          <a:lstStyle/>
+          <a:p>
+            <a:r>
+              <a:rPr lang="pt-PT" dirty="0"/>
+              <a:t>Conclusões finais;</a:t>
+            </a:r>
+          </a:p>
+          <a:p>
+            <a:r>
+              <a:rPr lang="pt-PT" dirty="0"/>
+              <a:t>Objetivos concluídos/por concluir;</a:t>
+            </a:r>
+          </a:p>
+          <a:p>
+            <a:r>
+              <a:rPr lang="pt-PT" dirty="0"/>
+              <a:t>Trabalho futuro.</a:t>
+            </a:r>
+          </a:p>
+        </p:txBody>
+      </p:sp>
+    </p:spTree>
+    <p:extLst>
+      <p:ext uri="{BB962C8B-B14F-4D97-AF65-F5344CB8AC3E}">
+        <p14:creationId xmlns:p14="http://schemas.microsoft.com/office/powerpoint/2010/main" val="2866330633"/>
       </p:ext>
     </p:extLst>
   </p:cSld>

--- a/Apresentacao HardwareHamlet.pptx
+++ b/Apresentacao HardwareHamlet.pptx
@@ -8,10 +8,11 @@
     <p:sldId id="256" r:id="rId2"/>
     <p:sldId id="257" r:id="rId3"/>
     <p:sldId id="258" r:id="rId4"/>
-    <p:sldId id="259" r:id="rId5"/>
-    <p:sldId id="260" r:id="rId6"/>
-    <p:sldId id="261" r:id="rId7"/>
-    <p:sldId id="262" r:id="rId8"/>
+    <p:sldId id="263" r:id="rId5"/>
+    <p:sldId id="259" r:id="rId6"/>
+    <p:sldId id="260" r:id="rId7"/>
+    <p:sldId id="261" r:id="rId8"/>
+    <p:sldId id="262" r:id="rId9"/>
   </p:sldIdLst>
   <p:sldSz cx="12192000" cy="6858000"/>
   <p:notesSz cx="6858000" cy="9144000"/>
@@ -213,7 +214,7 @@
           <a:effectLst/>
           <a:extLst>
             <a:ext uri="{91240B29-F687-4f45-9708-019B960494DF}">
-              <a14:hiddenLine xmlns="" xmlns:a14="http://schemas.microsoft.com/office/drawing/2010/main" w="9525">
+              <a14:hiddenLine xmlns:a14="http://schemas.microsoft.com/office/drawing/2010/main" xmlns="" w="9525">
                 <a:solidFill>
                   <a:srgbClr val="000000"/>
                 </a:solidFill>
@@ -1743,7 +1744,7 @@
           <a:ln/>
           <a:extLst>
             <a:ext uri="{91240B29-F687-4f45-9708-019B960494DF}">
-              <a14:hiddenLine xmlns="" xmlns:a14="http://schemas.microsoft.com/office/drawing/2010/main" w="9525">
+              <a14:hiddenLine xmlns:a14="http://schemas.microsoft.com/office/drawing/2010/main" xmlns="" w="9525">
                 <a:solidFill>
                   <a:srgbClr val="000000"/>
                 </a:solidFill>
@@ -2020,7 +2021,7 @@
           <a:ln/>
           <a:extLst>
             <a:ext uri="{91240B29-F687-4f45-9708-019B960494DF}">
-              <a14:hiddenLine xmlns="" xmlns:a14="http://schemas.microsoft.com/office/drawing/2010/main" w="9525">
+              <a14:hiddenLine xmlns:a14="http://schemas.microsoft.com/office/drawing/2010/main" xmlns="" w="9525">
                 <a:solidFill>
                   <a:srgbClr val="000000"/>
                 </a:solidFill>
@@ -2305,7 +2306,7 @@
           <a:ln/>
           <a:extLst>
             <a:ext uri="{91240B29-F687-4f45-9708-019B960494DF}">
-              <a14:hiddenLine xmlns="" xmlns:a14="http://schemas.microsoft.com/office/drawing/2010/main" w="9525">
+              <a14:hiddenLine xmlns:a14="http://schemas.microsoft.com/office/drawing/2010/main" xmlns="" w="9525">
                 <a:solidFill>
                   <a:srgbClr val="000000"/>
                 </a:solidFill>
@@ -2935,7 +2936,7 @@
           <a:ln/>
           <a:extLst>
             <a:ext uri="{91240B29-F687-4f45-9708-019B960494DF}">
-              <a14:hiddenLine xmlns="" xmlns:a14="http://schemas.microsoft.com/office/drawing/2010/main" w="9525">
+              <a14:hiddenLine xmlns:a14="http://schemas.microsoft.com/office/drawing/2010/main" xmlns="" w="9525">
                 <a:solidFill>
                   <a:srgbClr val="000000"/>
                 </a:solidFill>
@@ -3276,7 +3277,7 @@
           <a:ln/>
           <a:extLst>
             <a:ext uri="{91240B29-F687-4f45-9708-019B960494DF}">
-              <a14:hiddenLine xmlns="" xmlns:a14="http://schemas.microsoft.com/office/drawing/2010/main" w="9525">
+              <a14:hiddenLine xmlns:a14="http://schemas.microsoft.com/office/drawing/2010/main" xmlns="" w="9525">
                 <a:solidFill>
                   <a:srgbClr val="000000"/>
                 </a:solidFill>
@@ -3755,7 +3756,7 @@
           <a:ln/>
           <a:extLst>
             <a:ext uri="{91240B29-F687-4f45-9708-019B960494DF}">
-              <a14:hiddenLine xmlns="" xmlns:a14="http://schemas.microsoft.com/office/drawing/2010/main" w="9525">
+              <a14:hiddenLine xmlns:a14="http://schemas.microsoft.com/office/drawing/2010/main" xmlns="" w="9525">
                 <a:solidFill>
                   <a:srgbClr val="000000"/>
                 </a:solidFill>
@@ -4188,7 +4189,7 @@
           <a:ln/>
           <a:extLst>
             <a:ext uri="{91240B29-F687-4f45-9708-019B960494DF}">
-              <a14:hiddenLine xmlns="" xmlns:a14="http://schemas.microsoft.com/office/drawing/2010/main" w="9525">
+              <a14:hiddenLine xmlns:a14="http://schemas.microsoft.com/office/drawing/2010/main" xmlns="" w="9525">
                 <a:solidFill>
                   <a:srgbClr val="000000"/>
                 </a:solidFill>
@@ -5770,6 +5771,93 @@
           <p:cNvPr id="2" name="Título 1">
             <a:extLst>
               <a:ext uri="{FF2B5EF4-FFF2-40B4-BE49-F238E27FC236}">
+                <a16:creationId xmlns:a16="http://schemas.microsoft.com/office/drawing/2014/main" id="{6C190114-AE36-4E2D-95CA-ED73C666EE1D}"/>
+              </a:ext>
+            </a:extLst>
+          </p:cNvPr>
+          <p:cNvSpPr>
+            <a:spLocks noGrp="1"/>
+          </p:cNvSpPr>
+          <p:nvPr>
+            <p:ph type="title"/>
+          </p:nvPr>
+        </p:nvSpPr>
+        <p:spPr/>
+        <p:txBody>
+          <a:bodyPr/>
+          <a:lstStyle/>
+          <a:p>
+            <a:r>
+              <a:rPr lang="pt-PT" dirty="0"/>
+              <a:t>Base de dados</a:t>
+            </a:r>
+          </a:p>
+        </p:txBody>
+      </p:sp>
+      <p:pic>
+        <p:nvPicPr>
+          <p:cNvPr id="5" name="Marcador de Posição de Conteúdo 4">
+            <a:extLst>
+              <a:ext uri="{FF2B5EF4-FFF2-40B4-BE49-F238E27FC236}">
+                <a16:creationId xmlns:a16="http://schemas.microsoft.com/office/drawing/2014/main" id="{33B0CB2A-223B-4E83-A058-E5F8000797AE}"/>
+              </a:ext>
+            </a:extLst>
+          </p:cNvPr>
+          <p:cNvPicPr>
+            <a:picLocks noGrp="1" noChangeAspect="1"/>
+          </p:cNvPicPr>
+          <p:nvPr>
+            <p:ph idx="1"/>
+          </p:nvPr>
+        </p:nvPicPr>
+        <p:blipFill>
+          <a:blip r:embed="rId2"/>
+          <a:stretch>
+            <a:fillRect/>
+          </a:stretch>
+        </p:blipFill>
+        <p:spPr>
+          <a:xfrm>
+            <a:off x="4947495" y="788988"/>
+            <a:ext cx="6815880" cy="5523715"/>
+          </a:xfrm>
+        </p:spPr>
+      </p:pic>
+    </p:spTree>
+    <p:extLst>
+      <p:ext uri="{BB962C8B-B14F-4D97-AF65-F5344CB8AC3E}">
+        <p14:creationId xmlns:p14="http://schemas.microsoft.com/office/powerpoint/2010/main" val="3662193547"/>
+      </p:ext>
+    </p:extLst>
+  </p:cSld>
+  <p:clrMapOvr>
+    <a:masterClrMapping/>
+  </p:clrMapOvr>
+</p:sld>
+</file>
+
+<file path=ppt/slides/slide5.xml><?xml version="1.0" encoding="utf-8"?>
+<p:sld xmlns:a="http://schemas.openxmlformats.org/drawingml/2006/main" xmlns:r="http://schemas.openxmlformats.org/officeDocument/2006/relationships" xmlns:p="http://schemas.openxmlformats.org/presentationml/2006/main">
+  <p:cSld>
+    <p:spTree>
+      <p:nvGrpSpPr>
+        <p:cNvPr id="1" name=""/>
+        <p:cNvGrpSpPr/>
+        <p:nvPr/>
+      </p:nvGrpSpPr>
+      <p:grpSpPr>
+        <a:xfrm>
+          <a:off x="0" y="0"/>
+          <a:ext cx="0" cy="0"/>
+          <a:chOff x="0" y="0"/>
+          <a:chExt cx="0" cy="0"/>
+        </a:xfrm>
+      </p:grpSpPr>
+      <p:sp>
+        <p:nvSpPr>
+          <p:cNvPr id="2" name="Título 1">
+            <a:extLst>
+              <a:ext uri="{FF2B5EF4-FFF2-40B4-BE49-F238E27FC236}">
                 <a16:creationId xmlns:a16="http://schemas.microsoft.com/office/drawing/2014/main" id="{3E9563A4-2FB8-468B-A29E-404174E2168A}"/>
               </a:ext>
             </a:extLst>
@@ -5905,92 +5993,6 @@
 </p:sld>
 </file>
 
-<file path=ppt/slides/slide5.xml><?xml version="1.0" encoding="utf-8"?>
-<p:sld xmlns:a="http://schemas.openxmlformats.org/drawingml/2006/main" xmlns:r="http://schemas.openxmlformats.org/officeDocument/2006/relationships" xmlns:p="http://schemas.openxmlformats.org/presentationml/2006/main">
-  <p:cSld>
-    <p:spTree>
-      <p:nvGrpSpPr>
-        <p:cNvPr id="1" name=""/>
-        <p:cNvGrpSpPr/>
-        <p:nvPr/>
-      </p:nvGrpSpPr>
-      <p:grpSpPr>
-        <a:xfrm>
-          <a:off x="0" y="0"/>
-          <a:ext cx="0" cy="0"/>
-          <a:chOff x="0" y="0"/>
-          <a:chExt cx="0" cy="0"/>
-        </a:xfrm>
-      </p:grpSpPr>
-      <p:sp>
-        <p:nvSpPr>
-          <p:cNvPr id="2" name="Título 1">
-            <a:extLst>
-              <a:ext uri="{FF2B5EF4-FFF2-40B4-BE49-F238E27FC236}">
-                <a16:creationId xmlns:a16="http://schemas.microsoft.com/office/drawing/2014/main" id="{9C7CF70A-1B45-40B7-95BA-401F488784B5}"/>
-              </a:ext>
-            </a:extLst>
-          </p:cNvPr>
-          <p:cNvSpPr>
-            <a:spLocks noGrp="1"/>
-          </p:cNvSpPr>
-          <p:nvPr>
-            <p:ph type="title"/>
-          </p:nvPr>
-        </p:nvSpPr>
-        <p:spPr/>
-        <p:txBody>
-          <a:bodyPr/>
-          <a:lstStyle/>
-          <a:p>
-            <a:r>
-              <a:rPr lang="pt-PT" dirty="0"/>
-              <a:t>Website</a:t>
-            </a:r>
-          </a:p>
-        </p:txBody>
-      </p:sp>
-      <p:sp>
-        <p:nvSpPr>
-          <p:cNvPr id="3" name="Marcador de Posição de Conteúdo 2">
-            <a:extLst>
-              <a:ext uri="{FF2B5EF4-FFF2-40B4-BE49-F238E27FC236}">
-                <a16:creationId xmlns:a16="http://schemas.microsoft.com/office/drawing/2014/main" id="{8030ED61-0729-4C32-9261-DB05C1EC942B}"/>
-              </a:ext>
-            </a:extLst>
-          </p:cNvPr>
-          <p:cNvSpPr>
-            <a:spLocks noGrp="1"/>
-          </p:cNvSpPr>
-          <p:nvPr>
-            <p:ph idx="1"/>
-          </p:nvPr>
-        </p:nvSpPr>
-        <p:spPr/>
-        <p:txBody>
-          <a:bodyPr/>
-          <a:lstStyle/>
-          <a:p>
-            <a:r>
-              <a:rPr lang="pt-PT" dirty="0"/>
-              <a:t>Apresentação do website</a:t>
-            </a:r>
-          </a:p>
-        </p:txBody>
-      </p:sp>
-    </p:spTree>
-    <p:extLst>
-      <p:ext uri="{BB962C8B-B14F-4D97-AF65-F5344CB8AC3E}">
-        <p14:creationId xmlns:p14="http://schemas.microsoft.com/office/powerpoint/2010/main" val="4221309808"/>
-      </p:ext>
-    </p:extLst>
-  </p:cSld>
-  <p:clrMapOvr>
-    <a:masterClrMapping/>
-  </p:clrMapOvr>
-</p:sld>
-</file>
-
 <file path=ppt/slides/slide6.xml><?xml version="1.0" encoding="utf-8"?>
 <p:sld xmlns:a="http://schemas.openxmlformats.org/drawingml/2006/main" xmlns:r="http://schemas.openxmlformats.org/officeDocument/2006/relationships" xmlns:p="http://schemas.openxmlformats.org/presentationml/2006/main">
   <p:cSld>
@@ -6013,6 +6015,92 @@
           <p:cNvPr id="2" name="Título 1">
             <a:extLst>
               <a:ext uri="{FF2B5EF4-FFF2-40B4-BE49-F238E27FC236}">
+                <a16:creationId xmlns:a16="http://schemas.microsoft.com/office/drawing/2014/main" id="{9C7CF70A-1B45-40B7-95BA-401F488784B5}"/>
+              </a:ext>
+            </a:extLst>
+          </p:cNvPr>
+          <p:cNvSpPr>
+            <a:spLocks noGrp="1"/>
+          </p:cNvSpPr>
+          <p:nvPr>
+            <p:ph type="title"/>
+          </p:nvPr>
+        </p:nvSpPr>
+        <p:spPr/>
+        <p:txBody>
+          <a:bodyPr/>
+          <a:lstStyle/>
+          <a:p>
+            <a:r>
+              <a:rPr lang="pt-PT" dirty="0"/>
+              <a:t>Website</a:t>
+            </a:r>
+          </a:p>
+        </p:txBody>
+      </p:sp>
+      <p:sp>
+        <p:nvSpPr>
+          <p:cNvPr id="3" name="Marcador de Posição de Conteúdo 2">
+            <a:extLst>
+              <a:ext uri="{FF2B5EF4-FFF2-40B4-BE49-F238E27FC236}">
+                <a16:creationId xmlns:a16="http://schemas.microsoft.com/office/drawing/2014/main" id="{8030ED61-0729-4C32-9261-DB05C1EC942B}"/>
+              </a:ext>
+            </a:extLst>
+          </p:cNvPr>
+          <p:cNvSpPr>
+            <a:spLocks noGrp="1"/>
+          </p:cNvSpPr>
+          <p:nvPr>
+            <p:ph idx="1"/>
+          </p:nvPr>
+        </p:nvSpPr>
+        <p:spPr/>
+        <p:txBody>
+          <a:bodyPr/>
+          <a:lstStyle/>
+          <a:p>
+            <a:r>
+              <a:rPr lang="pt-PT" dirty="0"/>
+              <a:t>Apresentação do website</a:t>
+            </a:r>
+          </a:p>
+        </p:txBody>
+      </p:sp>
+    </p:spTree>
+    <p:extLst>
+      <p:ext uri="{BB962C8B-B14F-4D97-AF65-F5344CB8AC3E}">
+        <p14:creationId xmlns:p14="http://schemas.microsoft.com/office/powerpoint/2010/main" val="4221309808"/>
+      </p:ext>
+    </p:extLst>
+  </p:cSld>
+  <p:clrMapOvr>
+    <a:masterClrMapping/>
+  </p:clrMapOvr>
+</p:sld>
+</file>
+
+<file path=ppt/slides/slide7.xml><?xml version="1.0" encoding="utf-8"?>
+<p:sld xmlns:a="http://schemas.openxmlformats.org/drawingml/2006/main" xmlns:r="http://schemas.openxmlformats.org/officeDocument/2006/relationships" xmlns:p="http://schemas.openxmlformats.org/presentationml/2006/main">
+  <p:cSld>
+    <p:spTree>
+      <p:nvGrpSpPr>
+        <p:cNvPr id="1" name=""/>
+        <p:cNvGrpSpPr/>
+        <p:nvPr/>
+      </p:nvGrpSpPr>
+      <p:grpSpPr>
+        <a:xfrm>
+          <a:off x="0" y="0"/>
+          <a:ext cx="0" cy="0"/>
+          <a:chOff x="0" y="0"/>
+          <a:chExt cx="0" cy="0"/>
+        </a:xfrm>
+      </p:grpSpPr>
+      <p:sp>
+        <p:nvSpPr>
+          <p:cNvPr id="2" name="Título 1">
+            <a:extLst>
+              <a:ext uri="{FF2B5EF4-FFF2-40B4-BE49-F238E27FC236}">
                 <a16:creationId xmlns:a16="http://schemas.microsoft.com/office/drawing/2014/main" id="{7D557A95-B143-475D-BCAF-FAADD2948039}"/>
               </a:ext>
             </a:extLst>
@@ -6059,11 +6147,175 @@
           <a:p>
             <a:r>
               <a:rPr lang="pt-PT" dirty="0"/>
-              <a:t>Apresentação da aplicação Android</a:t>
-            </a:r>
-          </a:p>
-        </p:txBody>
-      </p:sp>
+              <a:t>A nossa aplicação permite:</a:t>
+            </a:r>
+          </a:p>
+          <a:p>
+            <a:pPr lvl="1"/>
+            <a:r>
+              <a:rPr lang="pt-PT" dirty="0"/>
+              <a:t>Ver lista de componentes utilizando filtros;</a:t>
+            </a:r>
+          </a:p>
+          <a:p>
+            <a:pPr lvl="1"/>
+            <a:r>
+              <a:rPr lang="pt-PT" dirty="0"/>
+              <a:t>Ver os detalhes dos componentes;</a:t>
+            </a:r>
+          </a:p>
+          <a:p>
+            <a:pPr lvl="1"/>
+            <a:r>
+              <a:rPr lang="pt-PT" dirty="0"/>
+              <a:t>Ver as </a:t>
+            </a:r>
+            <a:r>
+              <a:rPr lang="pt-PT" dirty="0" err="1"/>
+              <a:t>builds</a:t>
+            </a:r>
+            <a:r>
+              <a:rPr lang="pt-PT" dirty="0"/>
+              <a:t> por tipo;</a:t>
+            </a:r>
+          </a:p>
+          <a:p>
+            <a:pPr lvl="1"/>
+            <a:r>
+              <a:rPr lang="pt-PT" dirty="0"/>
+              <a:t>Ver os detalhe das </a:t>
+            </a:r>
+            <a:r>
+              <a:rPr lang="pt-PT" dirty="0" err="1"/>
+              <a:t>builds</a:t>
+            </a:r>
+            <a:r>
+              <a:rPr lang="pt-PT" dirty="0"/>
+              <a:t>;</a:t>
+            </a:r>
+          </a:p>
+          <a:p>
+            <a:pPr lvl="1"/>
+            <a:r>
+              <a:rPr lang="pt-PT" dirty="0"/>
+              <a:t>Comentar uma </a:t>
+            </a:r>
+            <a:r>
+              <a:rPr lang="pt-PT" dirty="0" err="1"/>
+              <a:t>build</a:t>
+            </a:r>
+            <a:r>
+              <a:rPr lang="pt-PT" dirty="0"/>
+              <a:t>;</a:t>
+            </a:r>
+          </a:p>
+          <a:p>
+            <a:pPr lvl="1"/>
+            <a:r>
+              <a:rPr lang="pt-PT" dirty="0"/>
+              <a:t>Dar </a:t>
+            </a:r>
+            <a:r>
+              <a:rPr lang="pt-PT" dirty="0" err="1"/>
+              <a:t>like</a:t>
+            </a:r>
+            <a:r>
+              <a:rPr lang="pt-PT" dirty="0"/>
+              <a:t> numa </a:t>
+            </a:r>
+            <a:r>
+              <a:rPr lang="pt-PT" dirty="0" err="1"/>
+              <a:t>build</a:t>
+            </a:r>
+            <a:r>
+              <a:rPr lang="pt-PT" dirty="0"/>
+              <a:t>;</a:t>
+            </a:r>
+          </a:p>
+          <a:p>
+            <a:pPr lvl="1"/>
+            <a:r>
+              <a:rPr lang="pt-PT" dirty="0"/>
+              <a:t>Criar uma </a:t>
+            </a:r>
+            <a:r>
+              <a:rPr lang="pt-PT" dirty="0" err="1"/>
+              <a:t>build</a:t>
+            </a:r>
+            <a:r>
+              <a:rPr lang="pt-PT" dirty="0"/>
+              <a:t>;</a:t>
+            </a:r>
+          </a:p>
+          <a:p>
+            <a:pPr lvl="1"/>
+            <a:r>
+              <a:rPr lang="pt-PT" dirty="0"/>
+              <a:t>Ver uma lista de rankings.</a:t>
+            </a:r>
+          </a:p>
+        </p:txBody>
+      </p:sp>
+      <p:pic>
+        <p:nvPicPr>
+          <p:cNvPr id="5" name="Imagem 4">
+            <a:extLst>
+              <a:ext uri="{FF2B5EF4-FFF2-40B4-BE49-F238E27FC236}">
+                <a16:creationId xmlns:a16="http://schemas.microsoft.com/office/drawing/2014/main" id="{22767443-91EA-4B87-969E-309CCDDB7659}"/>
+              </a:ext>
+            </a:extLst>
+          </p:cNvPr>
+          <p:cNvPicPr>
+            <a:picLocks noChangeAspect="1"/>
+          </p:cNvPicPr>
+          <p:nvPr/>
+        </p:nvPicPr>
+        <p:blipFill>
+          <a:blip r:embed="rId2"/>
+          <a:stretch>
+            <a:fillRect/>
+          </a:stretch>
+        </p:blipFill>
+        <p:spPr>
+          <a:xfrm>
+            <a:off x="7135415" y="2491497"/>
+            <a:ext cx="2346722" cy="4171950"/>
+          </a:xfrm>
+          <a:prstGeom prst="rect">
+            <a:avLst/>
+          </a:prstGeom>
+        </p:spPr>
+      </p:pic>
+      <p:pic>
+        <p:nvPicPr>
+          <p:cNvPr id="7" name="Imagem 6">
+            <a:extLst>
+              <a:ext uri="{FF2B5EF4-FFF2-40B4-BE49-F238E27FC236}">
+                <a16:creationId xmlns:a16="http://schemas.microsoft.com/office/drawing/2014/main" id="{21BCF10F-7422-4189-B223-809C78B5C5D6}"/>
+              </a:ext>
+            </a:extLst>
+          </p:cNvPr>
+          <p:cNvPicPr>
+            <a:picLocks noChangeAspect="1"/>
+          </p:cNvPicPr>
+          <p:nvPr/>
+        </p:nvPicPr>
+        <p:blipFill>
+          <a:blip r:embed="rId3"/>
+          <a:stretch>
+            <a:fillRect/>
+          </a:stretch>
+        </p:blipFill>
+        <p:spPr>
+          <a:xfrm>
+            <a:off x="9657754" y="2491497"/>
+            <a:ext cx="2346722" cy="4171950"/>
+          </a:xfrm>
+          <a:prstGeom prst="rect">
+            <a:avLst/>
+          </a:prstGeom>
+        </p:spPr>
+      </p:pic>
     </p:spTree>
     <p:extLst>
       <p:ext uri="{BB962C8B-B14F-4D97-AF65-F5344CB8AC3E}">
@@ -6077,7 +6329,7 @@
 </p:sld>
 </file>
 
-<file path=ppt/slides/slide7.xml><?xml version="1.0" encoding="utf-8"?>
+<file path=ppt/slides/slide8.xml><?xml version="1.0" encoding="utf-8"?>
 <p:sld xmlns:a="http://schemas.openxmlformats.org/drawingml/2006/main" xmlns:r="http://schemas.openxmlformats.org/officeDocument/2006/relationships" xmlns:p="http://schemas.openxmlformats.org/presentationml/2006/main">
   <p:cSld>
     <p:spTree>
